--- a/Stock Price prediction.pptx
+++ b/Stock Price prediction.pptx
@@ -10,6 +10,10 @@
     <p:sldId id="258" r:id="rId4"/>
     <p:sldId id="259" r:id="rId5"/>
     <p:sldId id="260" r:id="rId6"/>
+    <p:sldId id="261" r:id="rId7"/>
+    <p:sldId id="263" r:id="rId8"/>
+    <p:sldId id="264" r:id="rId9"/>
+    <p:sldId id="262" r:id="rId10"/>
   </p:sldIdLst>
   <p:sldSz cx="12192000" cy="6858000"/>
   <p:notesSz cx="6858000" cy="9144000"/>
@@ -1055,7 +1059,7 @@
       </dgm:t>
     </dgm:pt>
     <dgm:pt modelId="{BC9FAA99-C50B-4BCB-B1C8-E66264EF85DE}">
-      <dgm:prSet/>
+      <dgm:prSet custT="1"/>
       <dgm:spPr/>
       <dgm:t>
         <a:bodyPr/>
@@ -1065,7 +1069,7 @@
             <a:defRPr cap="all"/>
           </a:pPr>
           <a:r>
-            <a:rPr lang="en-US" dirty="0"/>
+            <a:rPr lang="en-US" sz="1800" dirty="0"/>
             <a:t>Predicting today’s stock price based on past 7 days open, close, low, high and volume data.</a:t>
           </a:r>
         </a:p>
@@ -1094,7 +1098,7 @@
       </dgm:t>
     </dgm:pt>
     <dgm:pt modelId="{C47B14ED-15F6-4C1E-93E7-B996D13095F4}">
-      <dgm:prSet/>
+      <dgm:prSet custT="1"/>
       <dgm:spPr/>
       <dgm:t>
         <a:bodyPr/>
@@ -1104,7 +1108,7 @@
             <a:defRPr cap="all"/>
           </a:pPr>
           <a:r>
-            <a:rPr lang="en-US" dirty="0"/>
+            <a:rPr lang="en-US" sz="1600" dirty="0"/>
             <a:t>As an example, we use apple stock in our modeling. We will predict apple stock’s closing price based on past 7 days’ open, close, low, high and volume data.  </a:t>
           </a:r>
         </a:p>
@@ -1235,7 +1239,7 @@
       <dgm:spPr/>
     </dgm:pt>
     <dgm:pt modelId="{A11FEEFC-E9CB-4ADE-A3AA-C3998FCBEECF}" type="pres">
-      <dgm:prSet presAssocID="{C47B14ED-15F6-4C1E-93E7-B996D13095F4}" presName="textRect" presStyleLbl="revTx" presStyleIdx="1" presStyleCnt="2">
+      <dgm:prSet presAssocID="{C47B14ED-15F6-4C1E-93E7-B996D13095F4}" presName="textRect" presStyleLbl="revTx" presStyleIdx="1" presStyleCnt="2" custScaleX="131786">
         <dgm:presLayoutVars>
           <dgm:chMax val="1"/>
           <dgm:chPref val="1"/>
@@ -1287,8 +1291,8 @@
       </dsp:nvSpPr>
       <dsp:spPr>
         <a:xfrm>
-          <a:off x="2044800" y="375668"/>
-          <a:ext cx="2196000" cy="2196000"/>
+          <a:off x="1531794" y="307863"/>
+          <a:ext cx="2161687" cy="2161687"/>
         </a:xfrm>
         <a:prstGeom prst="ellipse">
           <a:avLst/>
@@ -1326,8 +1330,8 @@
       </dsp:nvSpPr>
       <dsp:spPr>
         <a:xfrm>
-          <a:off x="2512800" y="843669"/>
-          <a:ext cx="1260000" cy="1260000"/>
+          <a:off x="1992482" y="768551"/>
+          <a:ext cx="1240312" cy="1240312"/>
         </a:xfrm>
         <a:prstGeom prst="rect">
           <a:avLst/>
@@ -1376,8 +1380,8 @@
       </dsp:nvSpPr>
       <dsp:spPr>
         <a:xfrm>
-          <a:off x="1342800" y="3255669"/>
-          <a:ext cx="3600000" cy="720000"/>
+          <a:off x="840763" y="3142863"/>
+          <a:ext cx="3543750" cy="900610"/>
         </a:xfrm>
         <a:prstGeom prst="rect">
           <a:avLst/>
@@ -1406,7 +1410,7 @@
         </a:bodyPr>
         <a:lstStyle/>
         <a:p>
-          <a:pPr marL="0" lvl="0" indent="0" algn="ctr" defTabSz="533400">
+          <a:pPr marL="0" lvl="0" indent="0" algn="ctr" defTabSz="800100">
             <a:lnSpc>
               <a:spcPct val="90000"/>
             </a:lnSpc>
@@ -1420,14 +1424,14 @@
             <a:defRPr cap="all"/>
           </a:pPr>
           <a:r>
-            <a:rPr lang="en-US" sz="1200" kern="1200" dirty="0"/>
+            <a:rPr lang="en-US" sz="1800" kern="1200" dirty="0"/>
             <a:t>Predicting today’s stock price based on past 7 days open, close, low, high and volume data.</a:t>
           </a:r>
         </a:p>
       </dsp:txBody>
       <dsp:txXfrm>
-        <a:off x="1342800" y="3255669"/>
-        <a:ext cx="3600000" cy="720000"/>
+        <a:off x="840763" y="3142863"/>
+        <a:ext cx="3543750" cy="900610"/>
       </dsp:txXfrm>
     </dsp:sp>
     <dsp:sp modelId="{FED85CFE-8411-446C-82CE-08AE84E4FD96}">
@@ -1437,8 +1441,8 @@
       </dsp:nvSpPr>
       <dsp:spPr>
         <a:xfrm>
-          <a:off x="6274800" y="375668"/>
-          <a:ext cx="2196000" cy="2196000"/>
+          <a:off x="6258909" y="307863"/>
+          <a:ext cx="2161687" cy="2161687"/>
         </a:xfrm>
         <a:prstGeom prst="ellipse">
           <a:avLst/>
@@ -1476,8 +1480,8 @@
       </dsp:nvSpPr>
       <dsp:spPr>
         <a:xfrm>
-          <a:off x="6742800" y="843669"/>
-          <a:ext cx="1260000" cy="1260000"/>
+          <a:off x="6719596" y="768551"/>
+          <a:ext cx="1240312" cy="1240312"/>
         </a:xfrm>
         <a:prstGeom prst="rect">
           <a:avLst/>
@@ -1526,8 +1530,8 @@
       </dsp:nvSpPr>
       <dsp:spPr>
         <a:xfrm>
-          <a:off x="5572800" y="3255669"/>
-          <a:ext cx="3600000" cy="720000"/>
+          <a:off x="5004669" y="3142863"/>
+          <a:ext cx="4670166" cy="900610"/>
         </a:xfrm>
         <a:prstGeom prst="rect">
           <a:avLst/>
@@ -1556,7 +1560,7 @@
         </a:bodyPr>
         <a:lstStyle/>
         <a:p>
-          <a:pPr marL="0" lvl="0" indent="0" algn="ctr" defTabSz="533400">
+          <a:pPr marL="0" lvl="0" indent="0" algn="ctr" defTabSz="711200">
             <a:lnSpc>
               <a:spcPct val="90000"/>
             </a:lnSpc>
@@ -1570,14 +1574,14 @@
             <a:defRPr cap="all"/>
           </a:pPr>
           <a:r>
-            <a:rPr lang="en-US" sz="1200" kern="1200" dirty="0"/>
+            <a:rPr lang="en-US" sz="1600" kern="1200" dirty="0"/>
             <a:t>As an example, we use apple stock in our modeling. We will predict apple stock’s closing price based on past 7 days’ open, close, low, high and volume data.  </a:t>
           </a:r>
         </a:p>
       </dsp:txBody>
       <dsp:txXfrm>
-        <a:off x="5572800" y="3255669"/>
-        <a:ext cx="3600000" cy="720000"/>
+        <a:off x="5004669" y="3142863"/>
+        <a:ext cx="4670166" cy="900610"/>
       </dsp:txXfrm>
     </dsp:sp>
   </dsp:spTree>
@@ -6627,7 +6631,7 @@
             <p:ph sz="quarter" idx="13"/>
             <p:extLst>
               <p:ext uri="{D42A27DB-BD31-4B8C-83A1-F6EECF244321}">
-                <p14:modId xmlns:p14="http://schemas.microsoft.com/office/powerpoint/2010/main" val="3872626552"/>
+                <p14:modId xmlns:p14="http://schemas.microsoft.com/office/powerpoint/2010/main" val="3656791829"/>
               </p:ext>
             </p:extLst>
           </p:nvPr>
@@ -6873,26 +6877,25 @@
             <p:ph sz="quarter" idx="13"/>
           </p:nvPr>
         </p:nvSpPr>
-        <p:spPr/>
+        <p:spPr>
+          <a:xfrm>
+            <a:off x="913774" y="1859798"/>
+            <a:ext cx="10363826" cy="3931402"/>
+          </a:xfrm>
+        </p:spPr>
         <p:txBody>
           <a:bodyPr/>
           <a:lstStyle/>
           <a:p>
             <a:r>
               <a:rPr lang="en-US" dirty="0"/>
-              <a:t>Long Short Term Memory (LSTM) model</a:t>
+              <a:t>Intuition: a technical trader often takes consideration of previous days trading momentum when making a decision to buy or sell on any given day. These momentum are reflected in past historic price action: What were the volume in the stock? Was it making higher highs or lower lows? Was closed at bottom of the daily range or top?</a:t>
             </a:r>
           </a:p>
           <a:p>
             <a:r>
               <a:rPr lang="en-US" dirty="0"/>
-              <a:t>Intuition: a technical trader often takes consideration of previous days trading momentum when making a decision to buy or sell on any given day. These momentum are reflected in past historic price action: What were the volume in the stock? Was it making higher highs or lower lows? Was closed at bottom of the daily range or top?</a:t>
-            </a:r>
-          </a:p>
-          <a:p>
-            <a:r>
-              <a:rPr lang="en-US" dirty="0"/>
-              <a:t>LSTM is a perfect model for solving such problem given its recursive conveyor belt nature. </a:t>
+              <a:t>Long Short Term Memory (LSTM) model: LSTM is type of RNN neutral network model that solves long time lag, and it is often used for time series problems like the one we are working on. </a:t>
             </a:r>
           </a:p>
         </p:txBody>
@@ -6950,7 +6953,7 @@
           <a:p>
             <a:r>
               <a:rPr lang="en-US" dirty="0"/>
-              <a:t>Results with different parameters</a:t>
+              <a:t>Results</a:t>
             </a:r>
           </a:p>
         </p:txBody>
@@ -6969,8 +6972,8 @@
         </p:nvSpPr>
         <p:spPr>
           <a:xfrm>
-            <a:off x="913774" y="1829576"/>
-            <a:ext cx="10364452" cy="1200329"/>
+            <a:off x="838200" y="1566105"/>
+            <a:ext cx="10364452" cy="923330"/>
           </a:xfrm>
           <a:prstGeom prst="rect">
             <a:avLst/>
@@ -6989,7 +6992,7 @@
             </a:pPr>
             <a:r>
               <a:rPr lang="en-US" dirty="0"/>
-              <a:t>Compare different models based on Mean Squared Error  (MSE) measure, the simple model with one LSTM layer and one dense layer became the winner with MSE of 9.3, in addition to loss value convergence. When comparing predicted closing price vs actual in the testing data, graphically, they tracks very well.</a:t>
+              <a:t>Compare different models based on Mean Squared Error  (MSE) measure, the simple model with one LSTM layer and one dense layer became the winner with MSE of 9.3. When comparing predicted closing price vs actual in the testing data, graphically, they tracks very well.</a:t>
             </a:r>
           </a:p>
         </p:txBody>
@@ -7016,8 +7019,8 @@
         </p:blipFill>
         <p:spPr>
           <a:xfrm>
-            <a:off x="6410488" y="3029905"/>
-            <a:ext cx="4477719" cy="3222601"/>
+            <a:off x="6214976" y="2889197"/>
+            <a:ext cx="4673231" cy="3363310"/>
           </a:xfrm>
           <a:prstGeom prst="rect">
             <a:avLst/>
@@ -7046,8 +7049,8 @@
         </p:blipFill>
         <p:spPr>
           <a:xfrm>
-            <a:off x="1303796" y="3035190"/>
-            <a:ext cx="4477718" cy="3287014"/>
+            <a:off x="1303796" y="2891668"/>
+            <a:ext cx="4673230" cy="3430536"/>
           </a:xfrm>
           <a:prstGeom prst="rect">
             <a:avLst/>
@@ -7058,6 +7061,779 @@
     <p:extLst>
       <p:ext uri="{BB962C8B-B14F-4D97-AF65-F5344CB8AC3E}">
         <p14:creationId xmlns:p14="http://schemas.microsoft.com/office/powerpoint/2010/main" val="3894573631"/>
+      </p:ext>
+    </p:extLst>
+  </p:cSld>
+  <p:clrMapOvr>
+    <a:masterClrMapping/>
+  </p:clrMapOvr>
+</p:sld>
+</file>
+
+<file path=ppt/slides/slide6.xml><?xml version="1.0" encoding="utf-8"?>
+<p:sld xmlns:a="http://schemas.openxmlformats.org/drawingml/2006/main" xmlns:r="http://schemas.openxmlformats.org/officeDocument/2006/relationships" xmlns:p="http://schemas.openxmlformats.org/presentationml/2006/main">
+  <p:cSld>
+    <p:spTree>
+      <p:nvGrpSpPr>
+        <p:cNvPr id="1" name=""/>
+        <p:cNvGrpSpPr/>
+        <p:nvPr/>
+      </p:nvGrpSpPr>
+      <p:grpSpPr>
+        <a:xfrm>
+          <a:off x="0" y="0"/>
+          <a:ext cx="0" cy="0"/>
+          <a:chOff x="0" y="0"/>
+          <a:chExt cx="0" cy="0"/>
+        </a:xfrm>
+      </p:grpSpPr>
+      <p:sp>
+        <p:nvSpPr>
+          <p:cNvPr id="2" name="Title 1">
+            <a:extLst>
+              <a:ext uri="{FF2B5EF4-FFF2-40B4-BE49-F238E27FC236}">
+                <a16:creationId xmlns:a16="http://schemas.microsoft.com/office/drawing/2014/main" id="{FA7062F6-041D-7E49-8B90-95AD830E1118}"/>
+              </a:ext>
+            </a:extLst>
+          </p:cNvPr>
+          <p:cNvSpPr>
+            <a:spLocks noGrp="1"/>
+          </p:cNvSpPr>
+          <p:nvPr>
+            <p:ph type="title"/>
+          </p:nvPr>
+        </p:nvSpPr>
+        <p:spPr/>
+        <p:txBody>
+          <a:bodyPr/>
+          <a:lstStyle/>
+          <a:p>
+            <a:r>
+              <a:rPr lang="en-US" dirty="0"/>
+              <a:t>Results with other parameters</a:t>
+            </a:r>
+          </a:p>
+        </p:txBody>
+      </p:sp>
+      <p:pic>
+        <p:nvPicPr>
+          <p:cNvPr id="4" name="Picture 3">
+            <a:extLst>
+              <a:ext uri="{FF2B5EF4-FFF2-40B4-BE49-F238E27FC236}">
+                <a16:creationId xmlns:a16="http://schemas.microsoft.com/office/drawing/2014/main" id="{8B66731C-11A4-4A42-820D-FB6E76B1FF70}"/>
+              </a:ext>
+            </a:extLst>
+          </p:cNvPr>
+          <p:cNvPicPr>
+            <a:picLocks noChangeAspect="1"/>
+          </p:cNvPicPr>
+          <p:nvPr/>
+        </p:nvPicPr>
+        <p:blipFill>
+          <a:blip r:embed="rId2"/>
+          <a:stretch>
+            <a:fillRect/>
+          </a:stretch>
+        </p:blipFill>
+        <p:spPr>
+          <a:xfrm>
+            <a:off x="1193369" y="3926474"/>
+            <a:ext cx="5128252" cy="1953620"/>
+          </a:xfrm>
+          <a:prstGeom prst="rect">
+            <a:avLst/>
+          </a:prstGeom>
+        </p:spPr>
+      </p:pic>
+      <p:pic>
+        <p:nvPicPr>
+          <p:cNvPr id="5" name="Picture 4">
+            <a:extLst>
+              <a:ext uri="{FF2B5EF4-FFF2-40B4-BE49-F238E27FC236}">
+                <a16:creationId xmlns:a16="http://schemas.microsoft.com/office/drawing/2014/main" id="{AC57C4A8-57C3-BF45-8953-B97CFA6D5ED7}"/>
+              </a:ext>
+            </a:extLst>
+          </p:cNvPr>
+          <p:cNvPicPr>
+            <a:picLocks noChangeAspect="1"/>
+          </p:cNvPicPr>
+          <p:nvPr/>
+        </p:nvPicPr>
+        <p:blipFill>
+          <a:blip r:embed="rId3"/>
+          <a:stretch>
+            <a:fillRect/>
+          </a:stretch>
+        </p:blipFill>
+        <p:spPr>
+          <a:xfrm>
+            <a:off x="7016412" y="3926474"/>
+            <a:ext cx="3516823" cy="2521152"/>
+          </a:xfrm>
+          <a:prstGeom prst="rect">
+            <a:avLst/>
+          </a:prstGeom>
+        </p:spPr>
+      </p:pic>
+      <p:pic>
+        <p:nvPicPr>
+          <p:cNvPr id="6" name="Picture 5">
+            <a:extLst>
+              <a:ext uri="{FF2B5EF4-FFF2-40B4-BE49-F238E27FC236}">
+                <a16:creationId xmlns:a16="http://schemas.microsoft.com/office/drawing/2014/main" id="{9367E6C4-9C0B-E248-BD29-524A12D9B921}"/>
+              </a:ext>
+            </a:extLst>
+          </p:cNvPr>
+          <p:cNvPicPr>
+            <a:picLocks noChangeAspect="1"/>
+          </p:cNvPicPr>
+          <p:nvPr/>
+        </p:nvPicPr>
+        <p:blipFill>
+          <a:blip r:embed="rId4"/>
+          <a:stretch>
+            <a:fillRect/>
+          </a:stretch>
+        </p:blipFill>
+        <p:spPr>
+          <a:xfrm>
+            <a:off x="7016412" y="1334828"/>
+            <a:ext cx="3516823" cy="2368291"/>
+          </a:xfrm>
+          <a:prstGeom prst="rect">
+            <a:avLst/>
+          </a:prstGeom>
+        </p:spPr>
+      </p:pic>
+      <p:sp>
+        <p:nvSpPr>
+          <p:cNvPr id="7" name="TextBox 6">
+            <a:extLst>
+              <a:ext uri="{FF2B5EF4-FFF2-40B4-BE49-F238E27FC236}">
+                <a16:creationId xmlns:a16="http://schemas.microsoft.com/office/drawing/2014/main" id="{5E01AE25-20E8-3F43-8990-AA2D3B033FFE}"/>
+              </a:ext>
+            </a:extLst>
+          </p:cNvPr>
+          <p:cNvSpPr txBox="1"/>
+          <p:nvPr/>
+        </p:nvSpPr>
+        <p:spPr>
+          <a:xfrm>
+            <a:off x="1193369" y="1828800"/>
+            <a:ext cx="4107051" cy="1754326"/>
+          </a:xfrm>
+          <a:prstGeom prst="rect">
+            <a:avLst/>
+          </a:prstGeom>
+          <a:noFill/>
+        </p:spPr>
+        <p:txBody>
+          <a:bodyPr wrap="square" rtlCol="0">
+            <a:spAutoFit/>
+          </a:bodyPr>
+          <a:lstStyle/>
+          <a:p>
+            <a:r>
+              <a:rPr lang="en-US" dirty="0"/>
+              <a:t>Model 2:</a:t>
+            </a:r>
+          </a:p>
+          <a:p>
+            <a:r>
+              <a:rPr lang="en-US" dirty="0"/>
+              <a:t>1x </a:t>
+            </a:r>
+            <a:r>
+              <a:rPr lang="en-US" dirty="0" err="1"/>
+              <a:t>Lstm</a:t>
+            </a:r>
+            <a:r>
+              <a:rPr lang="en-US" dirty="0"/>
+              <a:t> 50 nodes</a:t>
+            </a:r>
+          </a:p>
+          <a:p>
+            <a:r>
+              <a:rPr lang="en-US" dirty="0"/>
+              <a:t>1x Dense layer with </a:t>
+            </a:r>
+            <a:r>
+              <a:rPr lang="en-US" dirty="0" err="1"/>
+              <a:t>relu</a:t>
+            </a:r>
+            <a:r>
+              <a:rPr lang="en-US" dirty="0"/>
+              <a:t> activation</a:t>
+            </a:r>
+          </a:p>
+          <a:p>
+            <a:r>
+              <a:rPr lang="en-US" dirty="0"/>
+              <a:t>1x Dense layer with linear activation</a:t>
+            </a:r>
+          </a:p>
+          <a:p>
+            <a:endParaRPr lang="en-US" dirty="0"/>
+          </a:p>
+          <a:p>
+            <a:r>
+              <a:rPr lang="en-US" dirty="0"/>
+              <a:t>Result: Terrible</a:t>
+            </a:r>
+          </a:p>
+        </p:txBody>
+      </p:sp>
+    </p:spTree>
+    <p:extLst>
+      <p:ext uri="{BB962C8B-B14F-4D97-AF65-F5344CB8AC3E}">
+        <p14:creationId xmlns:p14="http://schemas.microsoft.com/office/powerpoint/2010/main" val="2167109376"/>
+      </p:ext>
+    </p:extLst>
+  </p:cSld>
+  <p:clrMapOvr>
+    <a:masterClrMapping/>
+  </p:clrMapOvr>
+</p:sld>
+</file>
+
+<file path=ppt/slides/slide7.xml><?xml version="1.0" encoding="utf-8"?>
+<p:sld xmlns:a="http://schemas.openxmlformats.org/drawingml/2006/main" xmlns:r="http://schemas.openxmlformats.org/officeDocument/2006/relationships" xmlns:p="http://schemas.openxmlformats.org/presentationml/2006/main">
+  <p:cSld>
+    <p:spTree>
+      <p:nvGrpSpPr>
+        <p:cNvPr id="1" name=""/>
+        <p:cNvGrpSpPr/>
+        <p:nvPr/>
+      </p:nvGrpSpPr>
+      <p:grpSpPr>
+        <a:xfrm>
+          <a:off x="0" y="0"/>
+          <a:ext cx="0" cy="0"/>
+          <a:chOff x="0" y="0"/>
+          <a:chExt cx="0" cy="0"/>
+        </a:xfrm>
+      </p:grpSpPr>
+      <p:sp>
+        <p:nvSpPr>
+          <p:cNvPr id="2" name="Title 1">
+            <a:extLst>
+              <a:ext uri="{FF2B5EF4-FFF2-40B4-BE49-F238E27FC236}">
+                <a16:creationId xmlns:a16="http://schemas.microsoft.com/office/drawing/2014/main" id="{FA7062F6-041D-7E49-8B90-95AD830E1118}"/>
+              </a:ext>
+            </a:extLst>
+          </p:cNvPr>
+          <p:cNvSpPr>
+            <a:spLocks noGrp="1"/>
+          </p:cNvSpPr>
+          <p:nvPr>
+            <p:ph type="title"/>
+          </p:nvPr>
+        </p:nvSpPr>
+        <p:spPr/>
+        <p:txBody>
+          <a:bodyPr/>
+          <a:lstStyle/>
+          <a:p>
+            <a:r>
+              <a:rPr lang="en-US" dirty="0"/>
+              <a:t>Results with other parameters</a:t>
+            </a:r>
+          </a:p>
+        </p:txBody>
+      </p:sp>
+      <p:sp>
+        <p:nvSpPr>
+          <p:cNvPr id="7" name="TextBox 6">
+            <a:extLst>
+              <a:ext uri="{FF2B5EF4-FFF2-40B4-BE49-F238E27FC236}">
+                <a16:creationId xmlns:a16="http://schemas.microsoft.com/office/drawing/2014/main" id="{5E01AE25-20E8-3F43-8990-AA2D3B033FFE}"/>
+              </a:ext>
+            </a:extLst>
+          </p:cNvPr>
+          <p:cNvSpPr txBox="1"/>
+          <p:nvPr/>
+        </p:nvSpPr>
+        <p:spPr>
+          <a:xfrm>
+            <a:off x="1193369" y="1828800"/>
+            <a:ext cx="4107051" cy="1477328"/>
+          </a:xfrm>
+          <a:prstGeom prst="rect">
+            <a:avLst/>
+          </a:prstGeom>
+          <a:noFill/>
+        </p:spPr>
+        <p:txBody>
+          <a:bodyPr wrap="square" rtlCol="0">
+            <a:spAutoFit/>
+          </a:bodyPr>
+          <a:lstStyle/>
+          <a:p>
+            <a:r>
+              <a:rPr lang="en-US" dirty="0"/>
+              <a:t>Model 3:</a:t>
+            </a:r>
+          </a:p>
+          <a:p>
+            <a:r>
+              <a:rPr lang="en-US" dirty="0"/>
+              <a:t>Same as Model 2 except activation linear</a:t>
+            </a:r>
+          </a:p>
+          <a:p>
+            <a:endParaRPr lang="en-US" dirty="0"/>
+          </a:p>
+          <a:p>
+            <a:r>
+              <a:rPr lang="en-US" dirty="0"/>
+              <a:t>Result:</a:t>
+            </a:r>
+          </a:p>
+          <a:p>
+            <a:r>
+              <a:rPr lang="en-US" dirty="0"/>
+              <a:t>Better than model 2, but still terrible</a:t>
+            </a:r>
+          </a:p>
+        </p:txBody>
+      </p:sp>
+      <p:pic>
+        <p:nvPicPr>
+          <p:cNvPr id="3" name="Picture 2">
+            <a:extLst>
+              <a:ext uri="{FF2B5EF4-FFF2-40B4-BE49-F238E27FC236}">
+                <a16:creationId xmlns:a16="http://schemas.microsoft.com/office/drawing/2014/main" id="{DD213E87-5205-864B-A1F6-ACEADA587C8D}"/>
+              </a:ext>
+            </a:extLst>
+          </p:cNvPr>
+          <p:cNvPicPr>
+            <a:picLocks noChangeAspect="1"/>
+          </p:cNvPicPr>
+          <p:nvPr/>
+        </p:nvPicPr>
+        <p:blipFill>
+          <a:blip r:embed="rId2"/>
+          <a:stretch>
+            <a:fillRect/>
+          </a:stretch>
+        </p:blipFill>
+        <p:spPr>
+          <a:xfrm>
+            <a:off x="1193369" y="4176349"/>
+            <a:ext cx="5198814" cy="1988056"/>
+          </a:xfrm>
+          <a:prstGeom prst="rect">
+            <a:avLst/>
+          </a:prstGeom>
+        </p:spPr>
+      </p:pic>
+      <p:pic>
+        <p:nvPicPr>
+          <p:cNvPr id="8" name="Picture 7">
+            <a:extLst>
+              <a:ext uri="{FF2B5EF4-FFF2-40B4-BE49-F238E27FC236}">
+                <a16:creationId xmlns:a16="http://schemas.microsoft.com/office/drawing/2014/main" id="{115872D1-1BD8-7A4F-BCC0-486E448129F6}"/>
+              </a:ext>
+            </a:extLst>
+          </p:cNvPr>
+          <p:cNvPicPr>
+            <a:picLocks noChangeAspect="1"/>
+          </p:cNvPicPr>
+          <p:nvPr/>
+        </p:nvPicPr>
+        <p:blipFill>
+          <a:blip r:embed="rId3"/>
+          <a:stretch>
+            <a:fillRect/>
+          </a:stretch>
+        </p:blipFill>
+        <p:spPr>
+          <a:xfrm>
+            <a:off x="7022803" y="1540098"/>
+            <a:ext cx="3487173" cy="2316042"/>
+          </a:xfrm>
+          <a:prstGeom prst="rect">
+            <a:avLst/>
+          </a:prstGeom>
+        </p:spPr>
+      </p:pic>
+      <p:pic>
+        <p:nvPicPr>
+          <p:cNvPr id="9" name="Picture 8">
+            <a:extLst>
+              <a:ext uri="{FF2B5EF4-FFF2-40B4-BE49-F238E27FC236}">
+                <a16:creationId xmlns:a16="http://schemas.microsoft.com/office/drawing/2014/main" id="{D06C3321-9994-A34A-8490-2576108AA802}"/>
+              </a:ext>
+            </a:extLst>
+          </p:cNvPr>
+          <p:cNvPicPr>
+            <a:picLocks noChangeAspect="1"/>
+          </p:cNvPicPr>
+          <p:nvPr/>
+        </p:nvPicPr>
+        <p:blipFill>
+          <a:blip r:embed="rId4"/>
+          <a:stretch>
+            <a:fillRect/>
+          </a:stretch>
+        </p:blipFill>
+        <p:spPr>
+          <a:xfrm>
+            <a:off x="7048177" y="3926474"/>
+            <a:ext cx="3461799" cy="2522551"/>
+          </a:xfrm>
+          <a:prstGeom prst="rect">
+            <a:avLst/>
+          </a:prstGeom>
+        </p:spPr>
+      </p:pic>
+    </p:spTree>
+    <p:extLst>
+      <p:ext uri="{BB962C8B-B14F-4D97-AF65-F5344CB8AC3E}">
+        <p14:creationId xmlns:p14="http://schemas.microsoft.com/office/powerpoint/2010/main" val="841688118"/>
+      </p:ext>
+    </p:extLst>
+  </p:cSld>
+  <p:clrMapOvr>
+    <a:masterClrMapping/>
+  </p:clrMapOvr>
+</p:sld>
+</file>
+
+<file path=ppt/slides/slide8.xml><?xml version="1.0" encoding="utf-8"?>
+<p:sld xmlns:a="http://schemas.openxmlformats.org/drawingml/2006/main" xmlns:r="http://schemas.openxmlformats.org/officeDocument/2006/relationships" xmlns:p="http://schemas.openxmlformats.org/presentationml/2006/main">
+  <p:cSld>
+    <p:spTree>
+      <p:nvGrpSpPr>
+        <p:cNvPr id="1" name=""/>
+        <p:cNvGrpSpPr/>
+        <p:nvPr/>
+      </p:nvGrpSpPr>
+      <p:grpSpPr>
+        <a:xfrm>
+          <a:off x="0" y="0"/>
+          <a:ext cx="0" cy="0"/>
+          <a:chOff x="0" y="0"/>
+          <a:chExt cx="0" cy="0"/>
+        </a:xfrm>
+      </p:grpSpPr>
+      <p:sp>
+        <p:nvSpPr>
+          <p:cNvPr id="2" name="Title 1">
+            <a:extLst>
+              <a:ext uri="{FF2B5EF4-FFF2-40B4-BE49-F238E27FC236}">
+                <a16:creationId xmlns:a16="http://schemas.microsoft.com/office/drawing/2014/main" id="{FA7062F6-041D-7E49-8B90-95AD830E1118}"/>
+              </a:ext>
+            </a:extLst>
+          </p:cNvPr>
+          <p:cNvSpPr>
+            <a:spLocks noGrp="1"/>
+          </p:cNvSpPr>
+          <p:nvPr>
+            <p:ph type="title"/>
+          </p:nvPr>
+        </p:nvSpPr>
+        <p:spPr/>
+        <p:txBody>
+          <a:bodyPr/>
+          <a:lstStyle/>
+          <a:p>
+            <a:r>
+              <a:rPr lang="en-US" dirty="0"/>
+              <a:t>Results with other parameters</a:t>
+            </a:r>
+          </a:p>
+        </p:txBody>
+      </p:sp>
+      <p:pic>
+        <p:nvPicPr>
+          <p:cNvPr id="4" name="Picture 3">
+            <a:extLst>
+              <a:ext uri="{FF2B5EF4-FFF2-40B4-BE49-F238E27FC236}">
+                <a16:creationId xmlns:a16="http://schemas.microsoft.com/office/drawing/2014/main" id="{8B66731C-11A4-4A42-820D-FB6E76B1FF70}"/>
+              </a:ext>
+            </a:extLst>
+          </p:cNvPr>
+          <p:cNvPicPr>
+            <a:picLocks noChangeAspect="1"/>
+          </p:cNvPicPr>
+          <p:nvPr/>
+        </p:nvPicPr>
+        <p:blipFill>
+          <a:blip r:embed="rId2"/>
+          <a:stretch>
+            <a:fillRect/>
+          </a:stretch>
+        </p:blipFill>
+        <p:spPr>
+          <a:xfrm>
+            <a:off x="1193369" y="4275236"/>
+            <a:ext cx="5128252" cy="1953620"/>
+          </a:xfrm>
+          <a:prstGeom prst="rect">
+            <a:avLst/>
+          </a:prstGeom>
+        </p:spPr>
+      </p:pic>
+      <p:pic>
+        <p:nvPicPr>
+          <p:cNvPr id="5" name="Picture 4">
+            <a:extLst>
+              <a:ext uri="{FF2B5EF4-FFF2-40B4-BE49-F238E27FC236}">
+                <a16:creationId xmlns:a16="http://schemas.microsoft.com/office/drawing/2014/main" id="{AC57C4A8-57C3-BF45-8953-B97CFA6D5ED7}"/>
+              </a:ext>
+            </a:extLst>
+          </p:cNvPr>
+          <p:cNvPicPr>
+            <a:picLocks noChangeAspect="1"/>
+          </p:cNvPicPr>
+          <p:nvPr/>
+        </p:nvPicPr>
+        <p:blipFill>
+          <a:blip r:embed="rId3"/>
+          <a:stretch>
+            <a:fillRect/>
+          </a:stretch>
+        </p:blipFill>
+        <p:spPr>
+          <a:xfrm>
+            <a:off x="7016412" y="3926474"/>
+            <a:ext cx="3516823" cy="2521152"/>
+          </a:xfrm>
+          <a:prstGeom prst="rect">
+            <a:avLst/>
+          </a:prstGeom>
+        </p:spPr>
+      </p:pic>
+      <p:pic>
+        <p:nvPicPr>
+          <p:cNvPr id="6" name="Picture 5">
+            <a:extLst>
+              <a:ext uri="{FF2B5EF4-FFF2-40B4-BE49-F238E27FC236}">
+                <a16:creationId xmlns:a16="http://schemas.microsoft.com/office/drawing/2014/main" id="{9367E6C4-9C0B-E248-BD29-524A12D9B921}"/>
+              </a:ext>
+            </a:extLst>
+          </p:cNvPr>
+          <p:cNvPicPr>
+            <a:picLocks noChangeAspect="1"/>
+          </p:cNvPicPr>
+          <p:nvPr/>
+        </p:nvPicPr>
+        <p:blipFill>
+          <a:blip r:embed="rId4"/>
+          <a:stretch>
+            <a:fillRect/>
+          </a:stretch>
+        </p:blipFill>
+        <p:spPr>
+          <a:xfrm>
+            <a:off x="7016412" y="1334828"/>
+            <a:ext cx="3516823" cy="2368291"/>
+          </a:xfrm>
+          <a:prstGeom prst="rect">
+            <a:avLst/>
+          </a:prstGeom>
+        </p:spPr>
+      </p:pic>
+      <p:sp>
+        <p:nvSpPr>
+          <p:cNvPr id="7" name="TextBox 6">
+            <a:extLst>
+              <a:ext uri="{FF2B5EF4-FFF2-40B4-BE49-F238E27FC236}">
+                <a16:creationId xmlns:a16="http://schemas.microsoft.com/office/drawing/2014/main" id="{5E01AE25-20E8-3F43-8990-AA2D3B033FFE}"/>
+              </a:ext>
+            </a:extLst>
+          </p:cNvPr>
+          <p:cNvSpPr txBox="1"/>
+          <p:nvPr/>
+        </p:nvSpPr>
+        <p:spPr>
+          <a:xfrm>
+            <a:off x="1193369" y="1828800"/>
+            <a:ext cx="5002478" cy="2308324"/>
+          </a:xfrm>
+          <a:prstGeom prst="rect">
+            <a:avLst/>
+          </a:prstGeom>
+          <a:noFill/>
+        </p:spPr>
+        <p:txBody>
+          <a:bodyPr wrap="square" rtlCol="0">
+            <a:spAutoFit/>
+          </a:bodyPr>
+          <a:lstStyle/>
+          <a:p>
+            <a:r>
+              <a:rPr lang="en-US" dirty="0"/>
+              <a:t>Model 4:</a:t>
+            </a:r>
+          </a:p>
+          <a:p>
+            <a:r>
+              <a:rPr lang="en-US" dirty="0"/>
+              <a:t>3xx </a:t>
+            </a:r>
+            <a:r>
+              <a:rPr lang="en-US" dirty="0" err="1"/>
+              <a:t>Lstm</a:t>
+            </a:r>
+            <a:r>
+              <a:rPr lang="en-US" dirty="0"/>
+              <a:t> (testing with different node size 30, 40, 50)</a:t>
+            </a:r>
+          </a:p>
+          <a:p>
+            <a:r>
+              <a:rPr lang="en-US" dirty="0"/>
+              <a:t>2x Dense layer with linear activation</a:t>
+            </a:r>
+          </a:p>
+          <a:p>
+            <a:endParaRPr lang="en-US" dirty="0"/>
+          </a:p>
+          <a:p>
+            <a:r>
+              <a:rPr lang="en-US" dirty="0"/>
+              <a:t>Result: the model with 50 nodes produced the best result among the 3 choices on node size. Overall result is Ok.</a:t>
+            </a:r>
+          </a:p>
+        </p:txBody>
+      </p:sp>
+    </p:spTree>
+    <p:extLst>
+      <p:ext uri="{BB962C8B-B14F-4D97-AF65-F5344CB8AC3E}">
+        <p14:creationId xmlns:p14="http://schemas.microsoft.com/office/powerpoint/2010/main" val="2350740649"/>
+      </p:ext>
+    </p:extLst>
+  </p:cSld>
+  <p:clrMapOvr>
+    <a:masterClrMapping/>
+  </p:clrMapOvr>
+</p:sld>
+</file>
+
+<file path=ppt/slides/slide9.xml><?xml version="1.0" encoding="utf-8"?>
+<p:sld xmlns:a="http://schemas.openxmlformats.org/drawingml/2006/main" xmlns:r="http://schemas.openxmlformats.org/officeDocument/2006/relationships" xmlns:p="http://schemas.openxmlformats.org/presentationml/2006/main">
+  <p:cSld>
+    <p:spTree>
+      <p:nvGrpSpPr>
+        <p:cNvPr id="1" name=""/>
+        <p:cNvGrpSpPr/>
+        <p:nvPr/>
+      </p:nvGrpSpPr>
+      <p:grpSpPr>
+        <a:xfrm>
+          <a:off x="0" y="0"/>
+          <a:ext cx="0" cy="0"/>
+          <a:chOff x="0" y="0"/>
+          <a:chExt cx="0" cy="0"/>
+        </a:xfrm>
+      </p:grpSpPr>
+      <p:sp>
+        <p:nvSpPr>
+          <p:cNvPr id="2" name="Title 1">
+            <a:extLst>
+              <a:ext uri="{FF2B5EF4-FFF2-40B4-BE49-F238E27FC236}">
+                <a16:creationId xmlns:a16="http://schemas.microsoft.com/office/drawing/2014/main" id="{F1CDD5FC-290B-9140-B6F5-18967E1093DB}"/>
+              </a:ext>
+            </a:extLst>
+          </p:cNvPr>
+          <p:cNvSpPr>
+            <a:spLocks noGrp="1"/>
+          </p:cNvSpPr>
+          <p:nvPr>
+            <p:ph type="title"/>
+          </p:nvPr>
+        </p:nvSpPr>
+        <p:spPr/>
+        <p:txBody>
+          <a:bodyPr/>
+          <a:lstStyle/>
+          <a:p>
+            <a:r>
+              <a:rPr lang="en-US" dirty="0"/>
+              <a:t>Conclusion</a:t>
+            </a:r>
+          </a:p>
+        </p:txBody>
+      </p:sp>
+      <p:sp>
+        <p:nvSpPr>
+          <p:cNvPr id="3" name="Content Placeholder 2">
+            <a:extLst>
+              <a:ext uri="{FF2B5EF4-FFF2-40B4-BE49-F238E27FC236}">
+                <a16:creationId xmlns:a16="http://schemas.microsoft.com/office/drawing/2014/main" id="{05C4E2D8-0A55-A347-9C97-850D96D75B94}"/>
+              </a:ext>
+            </a:extLst>
+          </p:cNvPr>
+          <p:cNvSpPr>
+            <a:spLocks noGrp="1"/>
+          </p:cNvSpPr>
+          <p:nvPr>
+            <p:ph sz="quarter" idx="13"/>
+          </p:nvPr>
+        </p:nvSpPr>
+        <p:spPr>
+          <a:xfrm>
+            <a:off x="914087" y="1995133"/>
+            <a:ext cx="10363826" cy="3424107"/>
+          </a:xfrm>
+        </p:spPr>
+        <p:txBody>
+          <a:bodyPr/>
+          <a:lstStyle/>
+          <a:p>
+            <a:r>
+              <a:rPr lang="en-US" dirty="0"/>
+              <a:t>A simple LSTM model worked well in our case.</a:t>
+            </a:r>
+          </a:p>
+          <a:p>
+            <a:pPr lvl="1"/>
+            <a:r>
+              <a:rPr lang="en-US" dirty="0"/>
+              <a:t>Complexity does not always improve modeling. </a:t>
+            </a:r>
+          </a:p>
+          <a:p>
+            <a:pPr marL="457200" lvl="1" indent="0">
+              <a:buNone/>
+            </a:pPr>
+            <a:endParaRPr lang="en-US" dirty="0"/>
+          </a:p>
+          <a:p>
+            <a:r>
+              <a:rPr lang="en-US" dirty="0"/>
+              <a:t>Business implication: </a:t>
+            </a:r>
+          </a:p>
+          <a:p>
+            <a:pPr lvl="1"/>
+            <a:r>
+              <a:rPr lang="en-US" dirty="0"/>
+              <a:t>the model is a good guidance in a normal market trading environment.</a:t>
+            </a:r>
+          </a:p>
+          <a:p>
+            <a:pPr lvl="1"/>
+            <a:r>
+              <a:rPr lang="en-US" dirty="0"/>
+              <a:t>However, the model is not suitable for prediction in unprecedented major event, such as 9/11 or financial crisis 2007.</a:t>
+            </a:r>
+          </a:p>
+          <a:p>
+            <a:pPr lvl="1"/>
+            <a:r>
+              <a:rPr lang="en-US" dirty="0"/>
+              <a:t>When trading with this model, stop loss trigger should be implemented.</a:t>
+            </a:r>
+          </a:p>
+        </p:txBody>
+      </p:sp>
+    </p:spTree>
+    <p:extLst>
+      <p:ext uri="{BB962C8B-B14F-4D97-AF65-F5344CB8AC3E}">
+        <p14:creationId xmlns:p14="http://schemas.microsoft.com/office/powerpoint/2010/main" val="3589518865"/>
       </p:ext>
     </p:extLst>
   </p:cSld>

--- a/Stock Price prediction.pptx
+++ b/Stock Price prediction.pptx
@@ -6051,15 +6051,35 @@
           <a:p>
             <a:pPr algn="l"/>
             <a:r>
-              <a:rPr lang="en-US"/>
+              <a:rPr lang="en-US" dirty="0"/>
               <a:t>Predicting Stock price</a:t>
             </a:r>
           </a:p>
           <a:p>
             <a:pPr algn="l"/>
             <a:r>
-              <a:rPr lang="en-US" i="1"/>
-              <a:t>By alex lu</a:t>
+              <a:rPr lang="en-US" i="1" dirty="0"/>
+              <a:t>By </a:t>
+            </a:r>
+            <a:r>
+              <a:rPr lang="en-US" i="1" dirty="0" err="1"/>
+              <a:t>alex</a:t>
+            </a:r>
+            <a:r>
+              <a:rPr lang="en-US" i="1" dirty="0"/>
+              <a:t> </a:t>
+            </a:r>
+            <a:r>
+              <a:rPr lang="en-US" i="1" dirty="0" err="1"/>
+              <a:t>lu</a:t>
+            </a:r>
+            <a:endParaRPr lang="en-US" i="1" dirty="0"/>
+          </a:p>
+          <a:p>
+            <a:pPr algn="l"/>
+            <a:r>
+              <a:rPr lang="en-US" i="1" dirty="0"/>
+              <a:t>September 2019</a:t>
             </a:r>
           </a:p>
         </p:txBody>
@@ -6973,7 +6993,7 @@
         <p:spPr>
           <a:xfrm>
             <a:off x="838200" y="1566105"/>
-            <a:ext cx="10364452" cy="923330"/>
+            <a:ext cx="10364452" cy="1200329"/>
           </a:xfrm>
           <a:prstGeom prst="rect">
             <a:avLst/>
@@ -6992,7 +7012,7 @@
             </a:pPr>
             <a:r>
               <a:rPr lang="en-US" dirty="0"/>
-              <a:t>Compare different models based on Mean Squared Error  (MSE) measure, the simple model with one LSTM layer and one dense layer became the winner with MSE of 9.3. When comparing predicted closing price vs actual in the testing data, graphically, they tracks very well.</a:t>
+              <a:t>Compare different models based on Mean Squared Error  (MSE) measure, the simple model with one LSTM layer and one dense layer became the winner with MSE of 9.3. When comparing predicted closing price vs actual in the testing data, graphically, they tracks very well. However, there is a tendency of undervaluation in a bull market, and overvaluation in a sell off market.</a:t>
             </a:r>
           </a:p>
         </p:txBody>
@@ -7220,7 +7240,7 @@
         <p:spPr>
           <a:xfrm>
             <a:off x="1193369" y="1828800"/>
-            <a:ext cx="4107051" cy="1754326"/>
+            <a:ext cx="4107051" cy="2031325"/>
           </a:xfrm>
           <a:prstGeom prst="rect">
             <a:avLst/>
@@ -7278,7 +7298,7 @@
           <a:p>
             <a:r>
               <a:rPr lang="en-US" dirty="0"/>
-              <a:t>Result: Terrible</a:t>
+              <a:t>Result: Terrible. The model seems to have a downward bias.</a:t>
             </a:r>
           </a:p>
         </p:txBody>
@@ -7356,7 +7376,7 @@
         <p:spPr>
           <a:xfrm>
             <a:off x="1193369" y="1828800"/>
-            <a:ext cx="4107051" cy="1477328"/>
+            <a:ext cx="4742482" cy="2031325"/>
           </a:xfrm>
           <a:prstGeom prst="rect">
             <a:avLst/>
@@ -7392,7 +7412,15 @@
           <a:p>
             <a:r>
               <a:rPr lang="en-US" dirty="0"/>
-              <a:t>Better than model 2, but still terrible</a:t>
+              <a:t>Better than model 2. Suggesting that linear activation in more appropriate than </a:t>
+            </a:r>
+            <a:r>
+              <a:rPr lang="en-US" dirty="0" err="1"/>
+              <a:t>relu</a:t>
+            </a:r>
+            <a:r>
+              <a:rPr lang="en-US" dirty="0"/>
+              <a:t> in this case.</a:t>
             </a:r>
           </a:p>
         </p:txBody>
@@ -7429,10 +7457,10 @@
       </p:pic>
       <p:pic>
         <p:nvPicPr>
-          <p:cNvPr id="8" name="Picture 7">
+          <p:cNvPr id="10" name="Picture 9">
             <a:extLst>
               <a:ext uri="{FF2B5EF4-FFF2-40B4-BE49-F238E27FC236}">
-                <a16:creationId xmlns:a16="http://schemas.microsoft.com/office/drawing/2014/main" id="{115872D1-1BD8-7A4F-BCC0-486E448129F6}"/>
+                <a16:creationId xmlns:a16="http://schemas.microsoft.com/office/drawing/2014/main" id="{BFC590FC-2ABD-2047-8895-75D83D46532A}"/>
               </a:ext>
             </a:extLst>
           </p:cNvPr>
@@ -7449,8 +7477,8 @@
         </p:blipFill>
         <p:spPr>
           <a:xfrm>
-            <a:off x="7022803" y="1540098"/>
-            <a:ext cx="3487173" cy="2316042"/>
+            <a:off x="7022803" y="3909940"/>
+            <a:ext cx="3310179" cy="2378927"/>
           </a:xfrm>
           <a:prstGeom prst="rect">
             <a:avLst/>
@@ -7459,10 +7487,10 @@
       </p:pic>
       <p:pic>
         <p:nvPicPr>
-          <p:cNvPr id="9" name="Picture 8">
+          <p:cNvPr id="11" name="Picture 10">
             <a:extLst>
               <a:ext uri="{FF2B5EF4-FFF2-40B4-BE49-F238E27FC236}">
-                <a16:creationId xmlns:a16="http://schemas.microsoft.com/office/drawing/2014/main" id="{D06C3321-9994-A34A-8490-2576108AA802}"/>
+                <a16:creationId xmlns:a16="http://schemas.microsoft.com/office/drawing/2014/main" id="{F2B5510B-8EF4-4A49-82F1-E5FF056E3FA0}"/>
               </a:ext>
             </a:extLst>
           </p:cNvPr>
@@ -7479,8 +7507,8 @@
         </p:blipFill>
         <p:spPr>
           <a:xfrm>
-            <a:off x="7048177" y="3926474"/>
-            <a:ext cx="3461799" cy="2522551"/>
+            <a:off x="7022803" y="1593166"/>
+            <a:ext cx="3310179" cy="2235962"/>
           </a:xfrm>
           <a:prstGeom prst="rect">
             <a:avLst/>
@@ -7545,12 +7573,76 @@
           </a:p>
         </p:txBody>
       </p:sp>
+      <p:sp>
+        <p:nvSpPr>
+          <p:cNvPr id="7" name="TextBox 6">
+            <a:extLst>
+              <a:ext uri="{FF2B5EF4-FFF2-40B4-BE49-F238E27FC236}">
+                <a16:creationId xmlns:a16="http://schemas.microsoft.com/office/drawing/2014/main" id="{5E01AE25-20E8-3F43-8990-AA2D3B033FFE}"/>
+              </a:ext>
+            </a:extLst>
+          </p:cNvPr>
+          <p:cNvSpPr txBox="1"/>
+          <p:nvPr/>
+        </p:nvSpPr>
+        <p:spPr>
+          <a:xfrm>
+            <a:off x="838200" y="1527668"/>
+            <a:ext cx="5257800" cy="2308324"/>
+          </a:xfrm>
+          <a:prstGeom prst="rect">
+            <a:avLst/>
+          </a:prstGeom>
+          <a:noFill/>
+        </p:spPr>
+        <p:txBody>
+          <a:bodyPr wrap="square" rtlCol="0">
+            <a:spAutoFit/>
+          </a:bodyPr>
+          <a:lstStyle/>
+          <a:p>
+            <a:r>
+              <a:rPr lang="en-US" dirty="0"/>
+              <a:t>Model 4:</a:t>
+            </a:r>
+          </a:p>
+          <a:p>
+            <a:r>
+              <a:rPr lang="en-US" dirty="0"/>
+              <a:t>3x </a:t>
+            </a:r>
+            <a:r>
+              <a:rPr lang="en-US" dirty="0" err="1"/>
+              <a:t>Lstm</a:t>
+            </a:r>
+            <a:r>
+              <a:rPr lang="en-US" dirty="0"/>
+              <a:t> (testing with different node size 30, 40, 50)</a:t>
+            </a:r>
+          </a:p>
+          <a:p>
+            <a:r>
+              <a:rPr lang="en-US" dirty="0"/>
+              <a:t>2x Dense layer with linear activation</a:t>
+            </a:r>
+          </a:p>
+          <a:p>
+            <a:endParaRPr lang="en-US" dirty="0"/>
+          </a:p>
+          <a:p>
+            <a:r>
+              <a:rPr lang="en-US" dirty="0"/>
+              <a:t>Result: the model  with lower number of nodes seem to perform better on average with lower MSE ranging from 20 to 200. However, they are all worse than Model 1.</a:t>
+            </a:r>
+          </a:p>
+        </p:txBody>
+      </p:sp>
       <p:pic>
         <p:nvPicPr>
-          <p:cNvPr id="4" name="Picture 3">
+          <p:cNvPr id="3" name="Picture 2">
             <a:extLst>
               <a:ext uri="{FF2B5EF4-FFF2-40B4-BE49-F238E27FC236}">
-                <a16:creationId xmlns:a16="http://schemas.microsoft.com/office/drawing/2014/main" id="{8B66731C-11A4-4A42-820D-FB6E76B1FF70}"/>
+                <a16:creationId xmlns:a16="http://schemas.microsoft.com/office/drawing/2014/main" id="{46930D53-2FD4-E04E-BE1F-3E11F951110D}"/>
               </a:ext>
             </a:extLst>
           </p:cNvPr>
@@ -7567,8 +7659,8 @@
         </p:blipFill>
         <p:spPr>
           <a:xfrm>
-            <a:off x="1193369" y="4275236"/>
-            <a:ext cx="5128252" cy="1953620"/>
+            <a:off x="1348352" y="4089706"/>
+            <a:ext cx="4448013" cy="2308323"/>
           </a:xfrm>
           <a:prstGeom prst="rect">
             <a:avLst/>
@@ -7577,10 +7669,10 @@
       </p:pic>
       <p:pic>
         <p:nvPicPr>
-          <p:cNvPr id="5" name="Picture 4">
+          <p:cNvPr id="8" name="Picture 7">
             <a:extLst>
               <a:ext uri="{FF2B5EF4-FFF2-40B4-BE49-F238E27FC236}">
-                <a16:creationId xmlns:a16="http://schemas.microsoft.com/office/drawing/2014/main" id="{AC57C4A8-57C3-BF45-8953-B97CFA6D5ED7}"/>
+                <a16:creationId xmlns:a16="http://schemas.microsoft.com/office/drawing/2014/main" id="{3E73EA3F-C909-1D4C-8680-8B32502A4017}"/>
               </a:ext>
             </a:extLst>
           </p:cNvPr>
@@ -7597,8 +7689,8 @@
         </p:blipFill>
         <p:spPr>
           <a:xfrm>
-            <a:off x="7016412" y="3926474"/>
-            <a:ext cx="3516823" cy="2521152"/>
+            <a:off x="6774865" y="3968975"/>
+            <a:ext cx="3299034" cy="2429054"/>
           </a:xfrm>
           <a:prstGeom prst="rect">
             <a:avLst/>
@@ -7607,10 +7699,10 @@
       </p:pic>
       <p:pic>
         <p:nvPicPr>
-          <p:cNvPr id="6" name="Picture 5">
+          <p:cNvPr id="9" name="Picture 8">
             <a:extLst>
               <a:ext uri="{FF2B5EF4-FFF2-40B4-BE49-F238E27FC236}">
-                <a16:creationId xmlns:a16="http://schemas.microsoft.com/office/drawing/2014/main" id="{9367E6C4-9C0B-E248-BD29-524A12D9B921}"/>
+                <a16:creationId xmlns:a16="http://schemas.microsoft.com/office/drawing/2014/main" id="{88A5FB69-2A90-4C4D-9710-4CF73D08EDA1}"/>
               </a:ext>
             </a:extLst>
           </p:cNvPr>
@@ -7627,78 +7719,14 @@
         </p:blipFill>
         <p:spPr>
           <a:xfrm>
-            <a:off x="7016412" y="1334828"/>
-            <a:ext cx="3516823" cy="2368291"/>
+            <a:off x="6774865" y="1527668"/>
+            <a:ext cx="3299034" cy="2160281"/>
           </a:xfrm>
           <a:prstGeom prst="rect">
             <a:avLst/>
           </a:prstGeom>
         </p:spPr>
       </p:pic>
-      <p:sp>
-        <p:nvSpPr>
-          <p:cNvPr id="7" name="TextBox 6">
-            <a:extLst>
-              <a:ext uri="{FF2B5EF4-FFF2-40B4-BE49-F238E27FC236}">
-                <a16:creationId xmlns:a16="http://schemas.microsoft.com/office/drawing/2014/main" id="{5E01AE25-20E8-3F43-8990-AA2D3B033FFE}"/>
-              </a:ext>
-            </a:extLst>
-          </p:cNvPr>
-          <p:cNvSpPr txBox="1"/>
-          <p:nvPr/>
-        </p:nvSpPr>
-        <p:spPr>
-          <a:xfrm>
-            <a:off x="1193369" y="1828800"/>
-            <a:ext cx="5002478" cy="2308324"/>
-          </a:xfrm>
-          <a:prstGeom prst="rect">
-            <a:avLst/>
-          </a:prstGeom>
-          <a:noFill/>
-        </p:spPr>
-        <p:txBody>
-          <a:bodyPr wrap="square" rtlCol="0">
-            <a:spAutoFit/>
-          </a:bodyPr>
-          <a:lstStyle/>
-          <a:p>
-            <a:r>
-              <a:rPr lang="en-US" dirty="0"/>
-              <a:t>Model 4:</a:t>
-            </a:r>
-          </a:p>
-          <a:p>
-            <a:r>
-              <a:rPr lang="en-US" dirty="0"/>
-              <a:t>3xx </a:t>
-            </a:r>
-            <a:r>
-              <a:rPr lang="en-US" dirty="0" err="1"/>
-              <a:t>Lstm</a:t>
-            </a:r>
-            <a:r>
-              <a:rPr lang="en-US" dirty="0"/>
-              <a:t> (testing with different node size 30, 40, 50)</a:t>
-            </a:r>
-          </a:p>
-          <a:p>
-            <a:r>
-              <a:rPr lang="en-US" dirty="0"/>
-              <a:t>2x Dense layer with linear activation</a:t>
-            </a:r>
-          </a:p>
-          <a:p>
-            <a:endParaRPr lang="en-US" dirty="0"/>
-          </a:p>
-          <a:p>
-            <a:r>
-              <a:rPr lang="en-US" dirty="0"/>
-              <a:t>Result: the model with 50 nodes produced the best result among the 3 choices on node size. Overall result is Ok.</a:t>
-            </a:r>
-          </a:p>
-        </p:txBody>
-      </p:sp>
     </p:spTree>
     <p:extLst>
       <p:ext uri="{BB962C8B-B14F-4D97-AF65-F5344CB8AC3E}">
@@ -7811,7 +7839,7 @@
             <a:pPr lvl="1"/>
             <a:r>
               <a:rPr lang="en-US" dirty="0"/>
-              <a:t>the model is a good guidance in a normal market trading environment.</a:t>
+              <a:t>The model is a good guidance in a normal market trading environment.</a:t>
             </a:r>
           </a:p>
           <a:p>

--- a/Stock Price prediction.pptx
+++ b/Stock Price prediction.pptx
@@ -14,6 +14,7 @@
     <p:sldId id="263" r:id="rId8"/>
     <p:sldId id="264" r:id="rId9"/>
     <p:sldId id="262" r:id="rId10"/>
+    <p:sldId id="265" r:id="rId11"/>
   </p:sldIdLst>
   <p:sldSz cx="12192000" cy="6858000"/>
   <p:notesSz cx="6858000" cy="9144000"/>
@@ -112,6 +113,11 @@
       </a:defRPr>
     </a:lvl9pPr>
   </p:defaultTextStyle>
+  <p:extLst>
+    <p:ext uri="{EFAFB233-063F-42B5-8137-9DF3F51BA10A}">
+      <p15:sldGuideLst xmlns:p15="http://schemas.microsoft.com/office/powerpoint/2012/main"/>
+    </p:ext>
+  </p:extLst>
 </p:presentation>
 </file>
 
@@ -2968,7 +2974,7 @@
           <a:p>
             <a:fld id="{48A87A34-81AB-432B-8DAE-1953F412C126}" type="datetimeFigureOut">
               <a:rPr lang="en-US" smtClean="0"/>
-              <a:t>9/17/19</a:t>
+              <a:t>9/21/19</a:t>
             </a:fld>
             <a:endParaRPr lang="en-US" dirty="0"/>
           </a:p>
@@ -3139,7 +3145,7 @@
             <a:fld id="{48A87A34-81AB-432B-8DAE-1953F412C126}" type="datetimeFigureOut">
               <a:rPr lang="en-US" smtClean="0"/>
               <a:pPr/>
-              <a:t>9/17/19</a:t>
+              <a:t>9/21/19</a:t>
             </a:fld>
             <a:endParaRPr lang="en-US" dirty="0"/>
           </a:p>
@@ -3321,7 +3327,7 @@
             <a:fld id="{48A87A34-81AB-432B-8DAE-1953F412C126}" type="datetimeFigureOut">
               <a:rPr lang="en-US" smtClean="0"/>
               <a:pPr/>
-              <a:t>9/17/19</a:t>
+              <a:t>9/21/19</a:t>
             </a:fld>
             <a:endParaRPr lang="en-US" dirty="0"/>
           </a:p>
@@ -3497,7 +3503,7 @@
           <a:p>
             <a:fld id="{48A87A34-81AB-432B-8DAE-1953F412C126}" type="datetimeFigureOut">
               <a:rPr lang="en-US" dirty="0"/>
-              <a:t>9/17/19</a:t>
+              <a:t>9/21/19</a:t>
             </a:fld>
             <a:endParaRPr lang="en-US" dirty="0"/>
           </a:p>
@@ -3668,7 +3674,7 @@
             <a:fld id="{48A87A34-81AB-432B-8DAE-1953F412C126}" type="datetimeFigureOut">
               <a:rPr lang="en-US" smtClean="0"/>
               <a:pPr/>
-              <a:t>9/17/19</a:t>
+              <a:t>9/21/19</a:t>
             </a:fld>
             <a:endParaRPr lang="en-US" dirty="0"/>
           </a:p>
@@ -3915,7 +3921,7 @@
           <a:p>
             <a:fld id="{48A87A34-81AB-432B-8DAE-1953F412C126}" type="datetimeFigureOut">
               <a:rPr lang="en-US" smtClean="0"/>
-              <a:t>9/17/19</a:t>
+              <a:t>9/21/19</a:t>
             </a:fld>
             <a:endParaRPr lang="en-US" dirty="0"/>
           </a:p>
@@ -4148,7 +4154,7 @@
             <a:fld id="{48A87A34-81AB-432B-8DAE-1953F412C126}" type="datetimeFigureOut">
               <a:rPr lang="en-US" smtClean="0"/>
               <a:pPr/>
-              <a:t>9/17/19</a:t>
+              <a:t>9/21/19</a:t>
             </a:fld>
             <a:endParaRPr lang="en-US" dirty="0"/>
           </a:p>
@@ -4517,7 +4523,7 @@
             <a:fld id="{48A87A34-81AB-432B-8DAE-1953F412C126}" type="datetimeFigureOut">
               <a:rPr lang="en-US" smtClean="0"/>
               <a:pPr/>
-              <a:t>9/17/19</a:t>
+              <a:t>9/21/19</a:t>
             </a:fld>
             <a:endParaRPr lang="en-US" dirty="0"/>
           </a:p>
@@ -4636,7 +4642,7 @@
           <a:p>
             <a:fld id="{48A87A34-81AB-432B-8DAE-1953F412C126}" type="datetimeFigureOut">
               <a:rPr lang="en-US" smtClean="0"/>
-              <a:t>9/17/19</a:t>
+              <a:t>9/21/19</a:t>
             </a:fld>
             <a:endParaRPr lang="en-US" dirty="0"/>
           </a:p>
@@ -4731,7 +4737,7 @@
           <a:p>
             <a:fld id="{48A87A34-81AB-432B-8DAE-1953F412C126}" type="datetimeFigureOut">
               <a:rPr lang="en-US" smtClean="0"/>
-              <a:t>9/17/19</a:t>
+              <a:t>9/21/19</a:t>
             </a:fld>
             <a:endParaRPr lang="en-US" dirty="0"/>
           </a:p>
@@ -5009,7 +5015,7 @@
             <a:fld id="{48A87A34-81AB-432B-8DAE-1953F412C126}" type="datetimeFigureOut">
               <a:rPr lang="en-US" smtClean="0"/>
               <a:pPr/>
-              <a:t>9/17/19</a:t>
+              <a:t>9/21/19</a:t>
             </a:fld>
             <a:endParaRPr lang="en-US" dirty="0"/>
           </a:p>
@@ -5267,7 +5273,7 @@
           <a:p>
             <a:fld id="{48A87A34-81AB-432B-8DAE-1953F412C126}" type="datetimeFigureOut">
               <a:rPr lang="en-US" smtClean="0"/>
-              <a:t>9/17/19</a:t>
+              <a:t>9/21/19</a:t>
             </a:fld>
             <a:endParaRPr lang="en-US" dirty="0"/>
           </a:p>
@@ -5481,7 +5487,7 @@
             <a:fld id="{48A87A34-81AB-432B-8DAE-1953F412C126}" type="datetimeFigureOut">
               <a:rPr lang="en-US" smtClean="0"/>
               <a:pPr/>
-              <a:t>9/17/19</a:t>
+              <a:t>9/21/19</a:t>
             </a:fld>
             <a:endParaRPr lang="en-US" dirty="0"/>
           </a:p>
@@ -6015,7 +6021,7 @@
           <a:p>
             <a:pPr algn="r"/>
             <a:r>
-              <a:rPr lang="en-US"/>
+              <a:rPr lang="en-US" dirty="0"/>
               <a:t>Project 4</a:t>
             </a:r>
           </a:p>
@@ -6052,28 +6058,15 @@
             <a:pPr algn="l"/>
             <a:r>
               <a:rPr lang="en-US" dirty="0"/>
-              <a:t>Predicting Stock price</a:t>
+              <a:t>Predicting Stock Price</a:t>
             </a:r>
           </a:p>
           <a:p>
             <a:pPr algn="l"/>
             <a:r>
               <a:rPr lang="en-US" i="1" dirty="0"/>
-              <a:t>By </a:t>
-            </a:r>
-            <a:r>
-              <a:rPr lang="en-US" i="1" dirty="0" err="1"/>
-              <a:t>alex</a:t>
-            </a:r>
-            <a:r>
-              <a:rPr lang="en-US" i="1" dirty="0"/>
-              <a:t> </a:t>
-            </a:r>
-            <a:r>
-              <a:rPr lang="en-US" i="1" dirty="0" err="1"/>
-              <a:t>lu</a:t>
-            </a:r>
-            <a:endParaRPr lang="en-US" i="1" dirty="0"/>
+              <a:t>By Alex Lu</a:t>
+            </a:r>
           </a:p>
           <a:p>
             <a:pPr algn="l"/>
@@ -6580,6 +6573,100 @@
 </p:sld>
 </file>
 
+<file path=ppt/slides/slide10.xml><?xml version="1.0" encoding="utf-8"?>
+<p:sld xmlns:a="http://schemas.openxmlformats.org/drawingml/2006/main" xmlns:r="http://schemas.openxmlformats.org/officeDocument/2006/relationships" xmlns:p="http://schemas.openxmlformats.org/presentationml/2006/main">
+  <p:cSld>
+    <p:spTree>
+      <p:nvGrpSpPr>
+        <p:cNvPr id="1" name=""/>
+        <p:cNvGrpSpPr/>
+        <p:nvPr/>
+      </p:nvGrpSpPr>
+      <p:grpSpPr>
+        <a:xfrm>
+          <a:off x="0" y="0"/>
+          <a:ext cx="0" cy="0"/>
+          <a:chOff x="0" y="0"/>
+          <a:chExt cx="0" cy="0"/>
+        </a:xfrm>
+      </p:grpSpPr>
+      <p:sp>
+        <p:nvSpPr>
+          <p:cNvPr id="3" name="Content Placeholder 2">
+            <a:extLst>
+              <a:ext uri="{FF2B5EF4-FFF2-40B4-BE49-F238E27FC236}">
+                <a16:creationId xmlns:a16="http://schemas.microsoft.com/office/drawing/2014/main" id="{94E6AAF4-9F3B-8740-B925-35C51A4C5866}"/>
+              </a:ext>
+            </a:extLst>
+          </p:cNvPr>
+          <p:cNvSpPr>
+            <a:spLocks noGrp="1"/>
+          </p:cNvSpPr>
+          <p:nvPr>
+            <p:ph sz="quarter" idx="13"/>
+          </p:nvPr>
+        </p:nvSpPr>
+        <p:spPr/>
+        <p:txBody>
+          <a:bodyPr/>
+          <a:lstStyle/>
+          <a:p>
+            <a:pPr marL="0" indent="0" algn="ctr">
+              <a:buNone/>
+            </a:pPr>
+            <a:r>
+              <a:rPr lang="en-US" sz="5000" dirty="0"/>
+              <a:t>THE END</a:t>
+            </a:r>
+          </a:p>
+          <a:p>
+            <a:pPr marL="0" indent="0" algn="ctr">
+              <a:buNone/>
+            </a:pPr>
+            <a:endParaRPr lang="en-US" dirty="0"/>
+          </a:p>
+          <a:p>
+            <a:pPr marL="0" indent="0" algn="ctr">
+              <a:buNone/>
+            </a:pPr>
+            <a:endParaRPr lang="en-US" dirty="0"/>
+          </a:p>
+          <a:p>
+            <a:pPr marL="0" indent="0" algn="ctr">
+              <a:buNone/>
+            </a:pPr>
+            <a:endParaRPr lang="en-US" dirty="0"/>
+          </a:p>
+          <a:p>
+            <a:pPr marL="0" indent="0" algn="ctr">
+              <a:buNone/>
+            </a:pPr>
+            <a:endParaRPr lang="en-US" dirty="0"/>
+          </a:p>
+          <a:p>
+            <a:pPr marL="0" indent="0" algn="ctr">
+              <a:buNone/>
+            </a:pPr>
+            <a:r>
+              <a:rPr lang="en-US" i="1" dirty="0"/>
+              <a:t>THANK YOU FOR LISTENING!</a:t>
+            </a:r>
+          </a:p>
+        </p:txBody>
+      </p:sp>
+    </p:spTree>
+    <p:extLst>
+      <p:ext uri="{BB962C8B-B14F-4D97-AF65-F5344CB8AC3E}">
+        <p14:creationId xmlns:p14="http://schemas.microsoft.com/office/powerpoint/2010/main" val="2092463306"/>
+      </p:ext>
+    </p:extLst>
+  </p:cSld>
+  <p:clrMapOvr>
+    <a:masterClrMapping/>
+  </p:clrMapOvr>
+</p:sld>
+</file>
+
 <file path=ppt/slides/slide2.xml><?xml version="1.0" encoding="utf-8"?>
 <p:sld xmlns:a="http://schemas.openxmlformats.org/drawingml/2006/main" xmlns:r="http://schemas.openxmlformats.org/officeDocument/2006/relationships" xmlns:p="http://schemas.openxmlformats.org/presentationml/2006/main">
   <p:cSld>
@@ -6899,27 +6986,65 @@
         </p:nvSpPr>
         <p:spPr>
           <a:xfrm>
-            <a:off x="913774" y="1859798"/>
+            <a:off x="913773" y="1690688"/>
             <a:ext cx="10363826" cy="3931402"/>
           </a:xfrm>
         </p:spPr>
         <p:txBody>
-          <a:bodyPr/>
+          <a:bodyPr>
+            <a:normAutofit/>
+          </a:bodyPr>
           <a:lstStyle/>
           <a:p>
             <a:r>
-              <a:rPr lang="en-US" dirty="0"/>
-              <a:t>Intuition: a technical trader often takes consideration of previous days trading momentum when making a decision to buy or sell on any given day. These momentum are reflected in past historic price action: What were the volume in the stock? Was it making higher highs or lower lows? Was closed at bottom of the daily range or top?</a:t>
-            </a:r>
-          </a:p>
-          <a:p>
-            <a:r>
-              <a:rPr lang="en-US" dirty="0"/>
+              <a:rPr lang="en-US" sz="1800" dirty="0"/>
+              <a:t>Intuition: a technical trader often takes consideration of previous days trading momentum when making a decision to buy or sell on any given day. These momentum are reflected in past historic price action: What were the volume in the stock? Was it making higher highs or lower lows? Was closed at bottom of the daily range or top? Hence, we use 5 data points per day (high, low, open, close, and volume.)</a:t>
+            </a:r>
+          </a:p>
+          <a:p>
+            <a:r>
+              <a:rPr lang="en-US" sz="1800" dirty="0"/>
+              <a:t>With 7 days lag (arbitrary decision for this model), and 5 data points per day, we have 35 input  variables in the model.</a:t>
+            </a:r>
+          </a:p>
+          <a:p>
+            <a:r>
+              <a:rPr lang="en-US" sz="1800" dirty="0"/>
               <a:t>Long Short Term Memory (LSTM) model: LSTM is type of RNN neutral network model that solves long time lag, and it is often used for time series problems like the one we are working on. </a:t>
             </a:r>
           </a:p>
         </p:txBody>
       </p:sp>
+      <p:pic>
+        <p:nvPicPr>
+          <p:cNvPr id="4" name="Picture 3">
+            <a:extLst>
+              <a:ext uri="{FF2B5EF4-FFF2-40B4-BE49-F238E27FC236}">
+                <a16:creationId xmlns:a16="http://schemas.microsoft.com/office/drawing/2014/main" id="{D3C5210C-AF29-CD48-A64A-8FDDA3DEF463}"/>
+              </a:ext>
+            </a:extLst>
+          </p:cNvPr>
+          <p:cNvPicPr>
+            <a:picLocks noChangeAspect="1"/>
+          </p:cNvPicPr>
+          <p:nvPr/>
+        </p:nvPicPr>
+        <p:blipFill>
+          <a:blip r:embed="rId2"/>
+          <a:stretch>
+            <a:fillRect/>
+          </a:stretch>
+        </p:blipFill>
+        <p:spPr>
+          <a:xfrm>
+            <a:off x="1115471" y="4070491"/>
+            <a:ext cx="9960429" cy="1770077"/>
+          </a:xfrm>
+          <a:prstGeom prst="rect">
+            <a:avLst/>
+          </a:prstGeom>
+        </p:spPr>
+      </p:pic>
     </p:spTree>
     <p:extLst>
       <p:ext uri="{BB962C8B-B14F-4D97-AF65-F5344CB8AC3E}">
@@ -7012,7 +7137,7 @@
             </a:pPr>
             <a:r>
               <a:rPr lang="en-US" dirty="0"/>
-              <a:t>Compare different models based on Mean Squared Error  (MSE) measure, the simple model with one LSTM layer and one dense layer became the winner with MSE of 9.3. When comparing predicted closing price vs actual in the testing data, graphically, they tracks very well. However, there is a tendency of undervaluation in a bull market, and overvaluation in a sell off market.</a:t>
+              <a:t>Compare different models based on Mean Squared Error  (MSE) measure, the simple model with one LSTM layer and one dense layer became the winner (with a MSE of 9.3). When comparing predicted closing price vs actual in the testing data, graphically, they tracks very well. However, there is a tendency of undervaluation in a bull market, and overvaluation in a sell off market.</a:t>
             </a:r>
           </a:p>
         </p:txBody>
@@ -7049,10 +7174,10 @@
       </p:pic>
       <p:pic>
         <p:nvPicPr>
-          <p:cNvPr id="9" name="Picture 8">
+          <p:cNvPr id="3" name="Picture 2">
             <a:extLst>
               <a:ext uri="{FF2B5EF4-FFF2-40B4-BE49-F238E27FC236}">
-                <a16:creationId xmlns:a16="http://schemas.microsoft.com/office/drawing/2014/main" id="{E6EC9B20-9B2F-1244-A7E9-C7582417C7CB}"/>
+                <a16:creationId xmlns:a16="http://schemas.microsoft.com/office/drawing/2014/main" id="{0320FA2A-EB60-9B47-B1F7-F6E4A3B90293}"/>
               </a:ext>
             </a:extLst>
           </p:cNvPr>
@@ -7069,8 +7194,8 @@
         </p:blipFill>
         <p:spPr>
           <a:xfrm>
-            <a:off x="1303796" y="2891668"/>
-            <a:ext cx="4673230" cy="3430536"/>
+            <a:off x="1170591" y="2889196"/>
+            <a:ext cx="4806434" cy="3363311"/>
           </a:xfrm>
           <a:prstGeom prst="rect">
             <a:avLst/>
@@ -7240,7 +7365,7 @@
         <p:spPr>
           <a:xfrm>
             <a:off x="1193369" y="1828800"/>
-            <a:ext cx="4107051" cy="2031325"/>
+            <a:ext cx="5229202" cy="2031325"/>
           </a:xfrm>
           <a:prstGeom prst="rect">
             <a:avLst/>
@@ -7298,7 +7423,7 @@
           <a:p>
             <a:r>
               <a:rPr lang="en-US" dirty="0"/>
-              <a:t>Result: Terrible. The model seems to have a downward bias.</a:t>
+              <a:t>Result: Terrible. The model seems to have a consistent downward bias.</a:t>
             </a:r>
           </a:p>
         </p:txBody>
@@ -7588,7 +7713,7 @@
         <p:spPr>
           <a:xfrm>
             <a:off x="838200" y="1527668"/>
-            <a:ext cx="5257800" cy="2308324"/>
+            <a:ext cx="5257800" cy="2031325"/>
           </a:xfrm>
           <a:prstGeom prst="rect">
             <a:avLst/>
@@ -7617,7 +7742,7 @@
             </a:r>
             <a:r>
               <a:rPr lang="en-US" dirty="0"/>
-              <a:t> (testing with different node size 30, 40, 50)</a:t>
+              <a:t> (loop through different node size 30, 40, 50)</a:t>
             </a:r>
           </a:p>
           <a:p>
@@ -7632,7 +7757,7 @@
           <a:p>
             <a:r>
               <a:rPr lang="en-US" dirty="0"/>
-              <a:t>Result: the model  with lower number of nodes seem to perform better on average with lower MSE ranging from 20 to 200. However, they are all worse than Model 1.</a:t>
+              <a:t>Result: the model  with lower number of nodes seem to perform better on average with MSE ranging from 20 to 200. However, they are all worse than Model 1.</a:t>
             </a:r>
           </a:p>
         </p:txBody>
@@ -7659,7 +7784,7 @@
         </p:blipFill>
         <p:spPr>
           <a:xfrm>
-            <a:off x="1348352" y="4089706"/>
+            <a:off x="1087095" y="3882877"/>
             <a:ext cx="4448013" cy="2308323"/>
           </a:xfrm>
           <a:prstGeom prst="rect">
@@ -7808,13 +7933,23 @@
           </a:xfrm>
         </p:spPr>
         <p:txBody>
-          <a:bodyPr/>
+          <a:bodyPr>
+            <a:normAutofit fontScale="92500" lnSpcReduction="20000"/>
+          </a:bodyPr>
           <a:lstStyle/>
           <a:p>
             <a:r>
               <a:rPr lang="en-US" dirty="0"/>
               <a:t>A simple LSTM model worked well in our case.</a:t>
             </a:r>
+          </a:p>
+          <a:p>
+            <a:pPr lvl="1"/>
+            <a:r>
+              <a:rPr lang="en-GB" dirty="0"/>
+              <a:t>Model has a undervalue (predict &lt; actual) tendency in the bull market, and overvalues vs actual when the market is selling off (bear market).</a:t>
+            </a:r>
+            <a:endParaRPr lang="en-US" dirty="0"/>
           </a:p>
           <a:p>
             <a:pPr lvl="1"/>
@@ -7846,14 +7981,14 @@
             <a:pPr lvl="1"/>
             <a:r>
               <a:rPr lang="en-US" dirty="0"/>
-              <a:t>However, the model is not suitable for prediction in unprecedented major event, such as 9/11 or financial crisis 2007.</a:t>
+              <a:t>However, the model is not suitable for prediction in unprecedented major event, such as 9/11 or financial crisis in 2007.</a:t>
             </a:r>
           </a:p>
           <a:p>
             <a:pPr lvl="1"/>
             <a:r>
               <a:rPr lang="en-US" dirty="0"/>
-              <a:t>When trading with this model, stop loss trigger should be implemented.</a:t>
+              <a:t>When trading with this model, stop loss trigger should be implemented rigorously, especially in the bear market.</a:t>
             </a:r>
           </a:p>
         </p:txBody>
